--- a/00.Document/02. 프리 프로덕션/01. 기획서/[우정윤, 허지훈]시스템_리소스.pptx
+++ b/00.Document/02. 프리 프로덕션/01. 기획서/[우정윤, 허지훈]시스템_리소스.pptx
@@ -6,6 +6,8 @@
   </p:sldMasterIdLst>
   <p:sldIdLst>
     <p:sldId id="256" r:id="rId2"/>
+    <p:sldId id="257" r:id="rId3"/>
+    <p:sldId id="258" r:id="rId4"/>
   </p:sldIdLst>
   <p:sldSz cx="9144000" cy="6858000" type="screen4x3"/>
   <p:notesSz cx="6858000" cy="9144000"/>
@@ -3642,6 +3644,1040 @@
 </p:sld>
 </file>
 
+<file path=ppt/slides/slide2.xml><?xml version="1.0" encoding="utf-8"?>
+<p:sld xmlns:a="http://schemas.openxmlformats.org/drawingml/2006/main" xmlns:r="http://schemas.openxmlformats.org/officeDocument/2006/relationships" xmlns:p="http://schemas.openxmlformats.org/presentationml/2006/main">
+  <p:cSld>
+    <p:spTree>
+      <p:nvGrpSpPr>
+        <p:cNvPr id="1" name=""/>
+        <p:cNvGrpSpPr/>
+        <p:nvPr/>
+      </p:nvGrpSpPr>
+      <p:grpSpPr>
+        <a:xfrm>
+          <a:off x="0" y="0"/>
+          <a:ext cx="0" cy="0"/>
+          <a:chOff x="0" y="0"/>
+          <a:chExt cx="0" cy="0"/>
+        </a:xfrm>
+      </p:grpSpPr>
+      <p:grpSp>
+        <p:nvGrpSpPr>
+          <p:cNvPr id="9" name="그룹 8"/>
+          <p:cNvGrpSpPr/>
+          <p:nvPr/>
+        </p:nvGrpSpPr>
+        <p:grpSpPr>
+          <a:xfrm>
+            <a:off x="1259632" y="1340768"/>
+            <a:ext cx="5616184" cy="2231808"/>
+            <a:chOff x="1259632" y="1340768"/>
+            <a:chExt cx="5616184" cy="2231808"/>
+          </a:xfrm>
+        </p:grpSpPr>
+        <p:sp>
+          <p:nvSpPr>
+            <p:cNvPr id="8" name="직사각형 7"/>
+            <p:cNvSpPr/>
+            <p:nvPr/>
+          </p:nvSpPr>
+          <p:spPr>
+            <a:xfrm>
+              <a:off x="5759912" y="2204864"/>
+              <a:ext cx="396264" cy="864096"/>
+            </a:xfrm>
+            <a:prstGeom prst="rect">
+              <a:avLst/>
+            </a:prstGeom>
+            <a:solidFill>
+              <a:srgbClr val="FF0000"/>
+            </a:solidFill>
+            <a:ln>
+              <a:solidFill>
+                <a:srgbClr val="FF0000"/>
+              </a:solidFill>
+            </a:ln>
+          </p:spPr>
+          <p:style>
+            <a:lnRef idx="2">
+              <a:schemeClr val="accent1">
+                <a:shade val="50000"/>
+              </a:schemeClr>
+            </a:lnRef>
+            <a:fillRef idx="1">
+              <a:schemeClr val="accent1"/>
+            </a:fillRef>
+            <a:effectRef idx="0">
+              <a:schemeClr val="accent1"/>
+            </a:effectRef>
+            <a:fontRef idx="minor">
+              <a:schemeClr val="lt1"/>
+            </a:fontRef>
+          </p:style>
+          <p:txBody>
+            <a:bodyPr rtlCol="0" anchor="ctr"/>
+            <a:lstStyle/>
+            <a:p>
+              <a:pPr algn="ctr"/>
+              <a:endParaRPr lang="ko-KR" altLang="en-US"/>
+            </a:p>
+          </p:txBody>
+        </p:sp>
+        <p:pic>
+          <p:nvPicPr>
+            <p:cNvPr id="1026" name="Picture 2" descr="C:\Users\6kigs_25\Desktop\KakaoTalk_20180409_203256419.png"/>
+            <p:cNvPicPr>
+              <a:picLocks noChangeAspect="1" noChangeArrowheads="1"/>
+            </p:cNvPicPr>
+            <p:nvPr/>
+          </p:nvPicPr>
+          <p:blipFill>
+            <a:blip r:embed="rId2" cstate="print">
+              <a:extLst>
+                <a:ext uri="{28A0092B-C50C-407E-A947-70E740481C1C}">
+                  <a14:useLocalDpi xmlns:a14="http://schemas.microsoft.com/office/drawing/2010/main" val="0"/>
+                </a:ext>
+              </a:extLst>
+            </a:blip>
+            <a:srcRect/>
+            <a:stretch>
+              <a:fillRect/>
+            </a:stretch>
+          </p:blipFill>
+          <p:spPr bwMode="auto">
+            <a:xfrm>
+              <a:off x="1259632" y="1340768"/>
+              <a:ext cx="2231808" cy="2231808"/>
+            </a:xfrm>
+            <a:prstGeom prst="rect">
+              <a:avLst/>
+            </a:prstGeom>
+            <a:noFill/>
+            <a:extLst>
+              <a:ext uri="{909E8E84-426E-40DD-AFC4-6F175D3DCCD1}">
+                <a14:hiddenFill xmlns:a14="http://schemas.microsoft.com/office/drawing/2010/main">
+                  <a:solidFill>
+                    <a:srgbClr val="FFFFFF"/>
+                  </a:solidFill>
+                </a14:hiddenFill>
+              </a:ext>
+            </a:extLst>
+          </p:spPr>
+        </p:pic>
+        <p:pic>
+          <p:nvPicPr>
+            <p:cNvPr id="5" name="Picture 2" descr="C:\Users\6kigs_25\Desktop\KakaoTalk_20180409_203256419.png"/>
+            <p:cNvPicPr>
+              <a:picLocks noChangeAspect="1" noChangeArrowheads="1"/>
+            </p:cNvPicPr>
+            <p:nvPr/>
+          </p:nvPicPr>
+          <p:blipFill>
+            <a:blip r:embed="rId2" cstate="print">
+              <a:extLst>
+                <a:ext uri="{28A0092B-C50C-407E-A947-70E740481C1C}">
+                  <a14:useLocalDpi xmlns:a14="http://schemas.microsoft.com/office/drawing/2010/main" val="0"/>
+                </a:ext>
+              </a:extLst>
+            </a:blip>
+            <a:srcRect/>
+            <a:stretch>
+              <a:fillRect/>
+            </a:stretch>
+          </p:blipFill>
+          <p:spPr bwMode="auto">
+            <a:xfrm>
+              <a:off x="4644008" y="1340768"/>
+              <a:ext cx="2231808" cy="2231808"/>
+            </a:xfrm>
+            <a:prstGeom prst="rect">
+              <a:avLst/>
+            </a:prstGeom>
+            <a:noFill/>
+            <a:extLst>
+              <a:ext uri="{909E8E84-426E-40DD-AFC4-6F175D3DCCD1}">
+                <a14:hiddenFill xmlns:a14="http://schemas.microsoft.com/office/drawing/2010/main">
+                  <a:solidFill>
+                    <a:srgbClr val="FFFFFF"/>
+                  </a:solidFill>
+                </a14:hiddenFill>
+              </a:ext>
+            </a:extLst>
+          </p:spPr>
+        </p:pic>
+        <p:sp>
+          <p:nvSpPr>
+            <p:cNvPr id="4" name="오른쪽 화살표 3"/>
+            <p:cNvSpPr/>
+            <p:nvPr/>
+          </p:nvSpPr>
+          <p:spPr>
+            <a:xfrm>
+              <a:off x="3635896" y="2456672"/>
+              <a:ext cx="936104" cy="396264"/>
+            </a:xfrm>
+            <a:prstGeom prst="rightArrow">
+              <a:avLst/>
+            </a:prstGeom>
+          </p:spPr>
+          <p:style>
+            <a:lnRef idx="2">
+              <a:schemeClr val="accent1">
+                <a:shade val="50000"/>
+              </a:schemeClr>
+            </a:lnRef>
+            <a:fillRef idx="1">
+              <a:schemeClr val="accent1"/>
+            </a:fillRef>
+            <a:effectRef idx="0">
+              <a:schemeClr val="accent1"/>
+            </a:effectRef>
+            <a:fontRef idx="minor">
+              <a:schemeClr val="lt1"/>
+            </a:fontRef>
+          </p:style>
+          <p:txBody>
+            <a:bodyPr rtlCol="0" anchor="ctr"/>
+            <a:lstStyle/>
+            <a:p>
+              <a:pPr algn="ctr"/>
+              <a:endParaRPr lang="ko-KR" altLang="en-US"/>
+            </a:p>
+          </p:txBody>
+        </p:sp>
+      </p:grpSp>
+    </p:spTree>
+    <p:extLst>
+      <p:ext uri="{BB962C8B-B14F-4D97-AF65-F5344CB8AC3E}">
+        <p14:creationId xmlns:p14="http://schemas.microsoft.com/office/powerpoint/2010/main" val="2837982395"/>
+      </p:ext>
+    </p:extLst>
+  </p:cSld>
+  <p:clrMapOvr>
+    <a:masterClrMapping/>
+  </p:clrMapOvr>
+</p:sld>
+</file>
+
+<file path=ppt/slides/slide3.xml><?xml version="1.0" encoding="utf-8"?>
+<p:sld xmlns:a="http://schemas.openxmlformats.org/drawingml/2006/main" xmlns:r="http://schemas.openxmlformats.org/officeDocument/2006/relationships" xmlns:p="http://schemas.openxmlformats.org/presentationml/2006/main">
+  <p:cSld>
+    <p:spTree>
+      <p:nvGrpSpPr>
+        <p:cNvPr id="1" name=""/>
+        <p:cNvGrpSpPr/>
+        <p:nvPr/>
+      </p:nvGrpSpPr>
+      <p:grpSpPr>
+        <a:xfrm>
+          <a:off x="0" y="0"/>
+          <a:ext cx="0" cy="0"/>
+          <a:chOff x="0" y="0"/>
+          <a:chExt cx="0" cy="0"/>
+        </a:xfrm>
+      </p:grpSpPr>
+      <p:grpSp>
+        <p:nvGrpSpPr>
+          <p:cNvPr id="22" name="그룹 21"/>
+          <p:cNvGrpSpPr/>
+          <p:nvPr/>
+        </p:nvGrpSpPr>
+        <p:grpSpPr>
+          <a:xfrm>
+            <a:off x="1835696" y="404664"/>
+            <a:ext cx="5697258" cy="5004496"/>
+            <a:chOff x="1835696" y="404664"/>
+            <a:chExt cx="5697258" cy="5004496"/>
+          </a:xfrm>
+        </p:grpSpPr>
+        <p:sp>
+          <p:nvSpPr>
+            <p:cNvPr id="4" name="모서리가 둥근 직사각형 3"/>
+            <p:cNvSpPr/>
+            <p:nvPr/>
+          </p:nvSpPr>
+          <p:spPr>
+            <a:xfrm>
+              <a:off x="2591840" y="1448840"/>
+              <a:ext cx="1080000" cy="1080000"/>
+            </a:xfrm>
+            <a:prstGeom prst="roundRect">
+              <a:avLst/>
+            </a:prstGeom>
+            <a:ln>
+              <a:solidFill>
+                <a:schemeClr val="tx1"/>
+              </a:solidFill>
+            </a:ln>
+          </p:spPr>
+          <p:style>
+            <a:lnRef idx="2">
+              <a:schemeClr val="accent1">
+                <a:shade val="50000"/>
+              </a:schemeClr>
+            </a:lnRef>
+            <a:fillRef idx="1">
+              <a:schemeClr val="accent1"/>
+            </a:fillRef>
+            <a:effectRef idx="0">
+              <a:schemeClr val="accent1"/>
+            </a:effectRef>
+            <a:fontRef idx="minor">
+              <a:schemeClr val="lt1"/>
+            </a:fontRef>
+          </p:style>
+          <p:txBody>
+            <a:bodyPr rtlCol="0" anchor="ctr"/>
+            <a:lstStyle/>
+            <a:p>
+              <a:pPr algn="ctr"/>
+              <a:endParaRPr lang="ko-KR" altLang="en-US"/>
+            </a:p>
+          </p:txBody>
+        </p:sp>
+        <p:sp>
+          <p:nvSpPr>
+            <p:cNvPr id="5" name="모서리가 둥근 직사각형 4"/>
+            <p:cNvSpPr/>
+            <p:nvPr/>
+          </p:nvSpPr>
+          <p:spPr>
+            <a:xfrm>
+              <a:off x="4032000" y="1448840"/>
+              <a:ext cx="1080000" cy="1080000"/>
+            </a:xfrm>
+            <a:prstGeom prst="roundRect">
+              <a:avLst/>
+            </a:prstGeom>
+            <a:ln>
+              <a:solidFill>
+                <a:schemeClr val="tx1"/>
+              </a:solidFill>
+            </a:ln>
+          </p:spPr>
+          <p:style>
+            <a:lnRef idx="2">
+              <a:schemeClr val="accent1">
+                <a:shade val="50000"/>
+              </a:schemeClr>
+            </a:lnRef>
+            <a:fillRef idx="1">
+              <a:schemeClr val="accent1"/>
+            </a:fillRef>
+            <a:effectRef idx="0">
+              <a:schemeClr val="accent1"/>
+            </a:effectRef>
+            <a:fontRef idx="minor">
+              <a:schemeClr val="lt1"/>
+            </a:fontRef>
+          </p:style>
+          <p:txBody>
+            <a:bodyPr rtlCol="0" anchor="ctr"/>
+            <a:lstStyle/>
+            <a:p>
+              <a:pPr algn="ctr"/>
+              <a:endParaRPr lang="ko-KR" altLang="en-US"/>
+            </a:p>
+          </p:txBody>
+        </p:sp>
+        <p:sp>
+          <p:nvSpPr>
+            <p:cNvPr id="6" name="모서리가 둥근 직사각형 5"/>
+            <p:cNvSpPr/>
+            <p:nvPr/>
+          </p:nvSpPr>
+          <p:spPr>
+            <a:xfrm>
+              <a:off x="5472160" y="1448840"/>
+              <a:ext cx="1080000" cy="1080000"/>
+            </a:xfrm>
+            <a:prstGeom prst="roundRect">
+              <a:avLst/>
+            </a:prstGeom>
+            <a:ln>
+              <a:solidFill>
+                <a:schemeClr val="tx1"/>
+              </a:solidFill>
+            </a:ln>
+          </p:spPr>
+          <p:style>
+            <a:lnRef idx="2">
+              <a:schemeClr val="accent1">
+                <a:shade val="50000"/>
+              </a:schemeClr>
+            </a:lnRef>
+            <a:fillRef idx="1">
+              <a:schemeClr val="accent1"/>
+            </a:fillRef>
+            <a:effectRef idx="0">
+              <a:schemeClr val="accent1"/>
+            </a:effectRef>
+            <a:fontRef idx="minor">
+              <a:schemeClr val="lt1"/>
+            </a:fontRef>
+          </p:style>
+          <p:txBody>
+            <a:bodyPr rtlCol="0" anchor="ctr"/>
+            <a:lstStyle/>
+            <a:p>
+              <a:pPr algn="ctr"/>
+              <a:endParaRPr lang="ko-KR" altLang="en-US"/>
+            </a:p>
+          </p:txBody>
+        </p:sp>
+        <p:sp>
+          <p:nvSpPr>
+            <p:cNvPr id="7" name="모서리가 둥근 직사각형 6"/>
+            <p:cNvSpPr/>
+            <p:nvPr/>
+          </p:nvSpPr>
+          <p:spPr>
+            <a:xfrm>
+              <a:off x="5472160" y="2889000"/>
+              <a:ext cx="1080000" cy="1080000"/>
+            </a:xfrm>
+            <a:prstGeom prst="roundRect">
+              <a:avLst/>
+            </a:prstGeom>
+            <a:ln>
+              <a:solidFill>
+                <a:schemeClr val="tx1"/>
+              </a:solidFill>
+            </a:ln>
+          </p:spPr>
+          <p:style>
+            <a:lnRef idx="2">
+              <a:schemeClr val="accent1">
+                <a:shade val="50000"/>
+              </a:schemeClr>
+            </a:lnRef>
+            <a:fillRef idx="1">
+              <a:schemeClr val="accent1"/>
+            </a:fillRef>
+            <a:effectRef idx="0">
+              <a:schemeClr val="accent1"/>
+            </a:effectRef>
+            <a:fontRef idx="minor">
+              <a:schemeClr val="lt1"/>
+            </a:fontRef>
+          </p:style>
+          <p:txBody>
+            <a:bodyPr rtlCol="0" anchor="ctr"/>
+            <a:lstStyle/>
+            <a:p>
+              <a:pPr algn="ctr"/>
+              <a:endParaRPr lang="ko-KR" altLang="en-US"/>
+            </a:p>
+          </p:txBody>
+        </p:sp>
+        <p:sp>
+          <p:nvSpPr>
+            <p:cNvPr id="9" name="모서리가 둥근 직사각형 8"/>
+            <p:cNvSpPr/>
+            <p:nvPr/>
+          </p:nvSpPr>
+          <p:spPr>
+            <a:xfrm>
+              <a:off x="2591840" y="2889000"/>
+              <a:ext cx="1080000" cy="1080000"/>
+            </a:xfrm>
+            <a:prstGeom prst="roundRect">
+              <a:avLst/>
+            </a:prstGeom>
+            <a:ln>
+              <a:solidFill>
+                <a:schemeClr val="tx1"/>
+              </a:solidFill>
+            </a:ln>
+          </p:spPr>
+          <p:style>
+            <a:lnRef idx="2">
+              <a:schemeClr val="accent1">
+                <a:shade val="50000"/>
+              </a:schemeClr>
+            </a:lnRef>
+            <a:fillRef idx="1">
+              <a:schemeClr val="accent1"/>
+            </a:fillRef>
+            <a:effectRef idx="0">
+              <a:schemeClr val="accent1"/>
+            </a:effectRef>
+            <a:fontRef idx="minor">
+              <a:schemeClr val="lt1"/>
+            </a:fontRef>
+          </p:style>
+          <p:txBody>
+            <a:bodyPr rtlCol="0" anchor="ctr"/>
+            <a:lstStyle/>
+            <a:p>
+              <a:pPr algn="ctr"/>
+              <a:endParaRPr lang="ko-KR" altLang="en-US"/>
+            </a:p>
+          </p:txBody>
+        </p:sp>
+        <p:sp>
+          <p:nvSpPr>
+            <p:cNvPr id="10" name="모서리가 둥근 직사각형 9"/>
+            <p:cNvSpPr/>
+            <p:nvPr/>
+          </p:nvSpPr>
+          <p:spPr>
+            <a:xfrm>
+              <a:off x="2591840" y="4329160"/>
+              <a:ext cx="1080000" cy="1080000"/>
+            </a:xfrm>
+            <a:prstGeom prst="roundRect">
+              <a:avLst/>
+            </a:prstGeom>
+            <a:ln>
+              <a:solidFill>
+                <a:schemeClr val="tx1"/>
+              </a:solidFill>
+            </a:ln>
+          </p:spPr>
+          <p:style>
+            <a:lnRef idx="2">
+              <a:schemeClr val="accent1">
+                <a:shade val="50000"/>
+              </a:schemeClr>
+            </a:lnRef>
+            <a:fillRef idx="1">
+              <a:schemeClr val="accent1"/>
+            </a:fillRef>
+            <a:effectRef idx="0">
+              <a:schemeClr val="accent1"/>
+            </a:effectRef>
+            <a:fontRef idx="minor">
+              <a:schemeClr val="lt1"/>
+            </a:fontRef>
+          </p:style>
+          <p:txBody>
+            <a:bodyPr rtlCol="0" anchor="ctr"/>
+            <a:lstStyle/>
+            <a:p>
+              <a:pPr algn="ctr"/>
+              <a:endParaRPr lang="ko-KR" altLang="en-US"/>
+            </a:p>
+          </p:txBody>
+        </p:sp>
+        <p:sp>
+          <p:nvSpPr>
+            <p:cNvPr id="11" name="모서리가 둥근 직사각형 10"/>
+            <p:cNvSpPr/>
+            <p:nvPr/>
+          </p:nvSpPr>
+          <p:spPr>
+            <a:xfrm>
+              <a:off x="4032000" y="4329160"/>
+              <a:ext cx="1080000" cy="1080000"/>
+            </a:xfrm>
+            <a:prstGeom prst="roundRect">
+              <a:avLst/>
+            </a:prstGeom>
+            <a:ln>
+              <a:solidFill>
+                <a:schemeClr val="tx1"/>
+              </a:solidFill>
+            </a:ln>
+          </p:spPr>
+          <p:style>
+            <a:lnRef idx="2">
+              <a:schemeClr val="accent1">
+                <a:shade val="50000"/>
+              </a:schemeClr>
+            </a:lnRef>
+            <a:fillRef idx="1">
+              <a:schemeClr val="accent1"/>
+            </a:fillRef>
+            <a:effectRef idx="0">
+              <a:schemeClr val="accent1"/>
+            </a:effectRef>
+            <a:fontRef idx="minor">
+              <a:schemeClr val="lt1"/>
+            </a:fontRef>
+          </p:style>
+          <p:txBody>
+            <a:bodyPr rtlCol="0" anchor="ctr"/>
+            <a:lstStyle/>
+            <a:p>
+              <a:pPr algn="ctr"/>
+              <a:endParaRPr lang="ko-KR" altLang="en-US"/>
+            </a:p>
+          </p:txBody>
+        </p:sp>
+        <p:sp>
+          <p:nvSpPr>
+            <p:cNvPr id="12" name="모서리가 둥근 직사각형 11"/>
+            <p:cNvSpPr/>
+            <p:nvPr/>
+          </p:nvSpPr>
+          <p:spPr>
+            <a:xfrm>
+              <a:off x="5477322" y="4329160"/>
+              <a:ext cx="1080000" cy="1080000"/>
+            </a:xfrm>
+            <a:prstGeom prst="roundRect">
+              <a:avLst/>
+            </a:prstGeom>
+            <a:ln>
+              <a:solidFill>
+                <a:schemeClr val="tx1"/>
+              </a:solidFill>
+            </a:ln>
+          </p:spPr>
+          <p:style>
+            <a:lnRef idx="2">
+              <a:schemeClr val="accent1">
+                <a:shade val="50000"/>
+              </a:schemeClr>
+            </a:lnRef>
+            <a:fillRef idx="1">
+              <a:schemeClr val="accent1"/>
+            </a:fillRef>
+            <a:effectRef idx="0">
+              <a:schemeClr val="accent1"/>
+            </a:effectRef>
+            <a:fontRef idx="minor">
+              <a:schemeClr val="lt1"/>
+            </a:fontRef>
+          </p:style>
+          <p:txBody>
+            <a:bodyPr rtlCol="0" anchor="ctr"/>
+            <a:lstStyle/>
+            <a:p>
+              <a:pPr algn="ctr"/>
+              <a:endParaRPr lang="ko-KR" altLang="en-US"/>
+            </a:p>
+          </p:txBody>
+        </p:sp>
+        <p:sp>
+          <p:nvSpPr>
+            <p:cNvPr id="13" name="타원 12"/>
+            <p:cNvSpPr/>
+            <p:nvPr/>
+          </p:nvSpPr>
+          <p:spPr>
+            <a:xfrm>
+              <a:off x="6660232" y="692696"/>
+              <a:ext cx="792088" cy="792088"/>
+            </a:xfrm>
+            <a:prstGeom prst="ellipse">
+              <a:avLst/>
+            </a:prstGeom>
+            <a:ln>
+              <a:solidFill>
+                <a:schemeClr val="tx1"/>
+              </a:solidFill>
+            </a:ln>
+          </p:spPr>
+          <p:style>
+            <a:lnRef idx="2">
+              <a:schemeClr val="accent1">
+                <a:shade val="50000"/>
+              </a:schemeClr>
+            </a:lnRef>
+            <a:fillRef idx="1">
+              <a:schemeClr val="accent1"/>
+            </a:fillRef>
+            <a:effectRef idx="0">
+              <a:schemeClr val="accent1"/>
+            </a:effectRef>
+            <a:fontRef idx="minor">
+              <a:schemeClr val="lt1"/>
+            </a:fontRef>
+          </p:style>
+          <p:txBody>
+            <a:bodyPr rtlCol="0" anchor="ctr"/>
+            <a:lstStyle/>
+            <a:p>
+              <a:pPr algn="ctr"/>
+              <a:r>
+                <a:rPr lang="en-US" altLang="ko-KR" sz="4800" b="1" dirty="0" smtClean="0">
+                  <a:solidFill>
+                    <a:schemeClr val="tx1"/>
+                  </a:solidFill>
+                </a:rPr>
+                <a:t>X</a:t>
+              </a:r>
+              <a:endParaRPr lang="ko-KR" altLang="en-US" sz="4800" b="1" dirty="0">
+                <a:solidFill>
+                  <a:schemeClr val="tx1"/>
+                </a:solidFill>
+              </a:endParaRPr>
+            </a:p>
+          </p:txBody>
+        </p:sp>
+        <p:sp>
+          <p:nvSpPr>
+            <p:cNvPr id="14" name="해 13"/>
+            <p:cNvSpPr/>
+            <p:nvPr/>
+          </p:nvSpPr>
+          <p:spPr>
+            <a:xfrm>
+              <a:off x="2699792" y="1557710"/>
+              <a:ext cx="864096" cy="862260"/>
+            </a:xfrm>
+            <a:prstGeom prst="sun">
+              <a:avLst/>
+            </a:prstGeom>
+            <a:solidFill>
+              <a:srgbClr val="FF0000"/>
+            </a:solidFill>
+            <a:ln>
+              <a:solidFill>
+                <a:schemeClr val="tx1"/>
+              </a:solidFill>
+            </a:ln>
+          </p:spPr>
+          <p:style>
+            <a:lnRef idx="2">
+              <a:schemeClr val="accent1">
+                <a:shade val="50000"/>
+              </a:schemeClr>
+            </a:lnRef>
+            <a:fillRef idx="1">
+              <a:schemeClr val="accent1"/>
+            </a:fillRef>
+            <a:effectRef idx="0">
+              <a:schemeClr val="accent1"/>
+            </a:effectRef>
+            <a:fontRef idx="minor">
+              <a:schemeClr val="lt1"/>
+            </a:fontRef>
+          </p:style>
+          <p:txBody>
+            <a:bodyPr rtlCol="0" anchor="ctr"/>
+            <a:lstStyle/>
+            <a:p>
+              <a:pPr algn="ctr"/>
+              <a:endParaRPr lang="ko-KR" altLang="en-US"/>
+            </a:p>
+          </p:txBody>
+        </p:sp>
+        <p:sp>
+          <p:nvSpPr>
+            <p:cNvPr id="16" name="직사각형 15"/>
+            <p:cNvSpPr/>
+            <p:nvPr/>
+          </p:nvSpPr>
+          <p:spPr>
+            <a:xfrm>
+              <a:off x="6565948" y="620688"/>
+              <a:ext cx="967006" cy="937022"/>
+            </a:xfrm>
+            <a:prstGeom prst="rect">
+              <a:avLst/>
+            </a:prstGeom>
+            <a:noFill/>
+            <a:ln>
+              <a:solidFill>
+                <a:schemeClr val="tx1"/>
+              </a:solidFill>
+              <a:prstDash val="sysDash"/>
+            </a:ln>
+          </p:spPr>
+          <p:style>
+            <a:lnRef idx="2">
+              <a:schemeClr val="accent1">
+                <a:shade val="50000"/>
+              </a:schemeClr>
+            </a:lnRef>
+            <a:fillRef idx="1">
+              <a:schemeClr val="accent1"/>
+            </a:fillRef>
+            <a:effectRef idx="0">
+              <a:schemeClr val="accent1"/>
+            </a:effectRef>
+            <a:fontRef idx="minor">
+              <a:schemeClr val="lt1"/>
+            </a:fontRef>
+          </p:style>
+          <p:txBody>
+            <a:bodyPr rtlCol="0" anchor="ctr"/>
+            <a:lstStyle/>
+            <a:p>
+              <a:pPr algn="ctr"/>
+              <a:endParaRPr lang="ko-KR" altLang="en-US"/>
+            </a:p>
+          </p:txBody>
+        </p:sp>
+        <p:sp>
+          <p:nvSpPr>
+            <p:cNvPr id="17" name="직사각형 16"/>
+            <p:cNvSpPr/>
+            <p:nvPr/>
+          </p:nvSpPr>
+          <p:spPr>
+            <a:xfrm>
+              <a:off x="2483768" y="1340769"/>
+              <a:ext cx="1296144" cy="1296144"/>
+            </a:xfrm>
+            <a:prstGeom prst="rect">
+              <a:avLst/>
+            </a:prstGeom>
+            <a:noFill/>
+            <a:ln>
+              <a:solidFill>
+                <a:schemeClr val="tx1"/>
+              </a:solidFill>
+              <a:prstDash val="sysDash"/>
+            </a:ln>
+          </p:spPr>
+          <p:style>
+            <a:lnRef idx="2">
+              <a:schemeClr val="accent1">
+                <a:shade val="50000"/>
+              </a:schemeClr>
+            </a:lnRef>
+            <a:fillRef idx="1">
+              <a:schemeClr val="accent1"/>
+            </a:fillRef>
+            <a:effectRef idx="0">
+              <a:schemeClr val="accent1"/>
+            </a:effectRef>
+            <a:fontRef idx="minor">
+              <a:schemeClr val="lt1"/>
+            </a:fontRef>
+          </p:style>
+          <p:txBody>
+            <a:bodyPr rtlCol="0" anchor="ctr"/>
+            <a:lstStyle/>
+            <a:p>
+              <a:pPr algn="ctr"/>
+              <a:endParaRPr lang="ko-KR" altLang="en-US"/>
+            </a:p>
+          </p:txBody>
+        </p:sp>
+        <p:sp>
+          <p:nvSpPr>
+            <p:cNvPr id="18" name="직사각형 17"/>
+            <p:cNvSpPr/>
+            <p:nvPr/>
+          </p:nvSpPr>
+          <p:spPr>
+            <a:xfrm>
+              <a:off x="3932312" y="1341568"/>
+              <a:ext cx="1296144" cy="1296144"/>
+            </a:xfrm>
+            <a:prstGeom prst="rect">
+              <a:avLst/>
+            </a:prstGeom>
+            <a:noFill/>
+            <a:ln>
+              <a:solidFill>
+                <a:schemeClr val="tx1"/>
+              </a:solidFill>
+              <a:prstDash val="sysDash"/>
+            </a:ln>
+          </p:spPr>
+          <p:style>
+            <a:lnRef idx="2">
+              <a:schemeClr val="accent1">
+                <a:shade val="50000"/>
+              </a:schemeClr>
+            </a:lnRef>
+            <a:fillRef idx="1">
+              <a:schemeClr val="accent1"/>
+            </a:fillRef>
+            <a:effectRef idx="0">
+              <a:schemeClr val="accent1"/>
+            </a:effectRef>
+            <a:fontRef idx="minor">
+              <a:schemeClr val="lt1"/>
+            </a:fontRef>
+          </p:style>
+          <p:txBody>
+            <a:bodyPr rtlCol="0" anchor="ctr"/>
+            <a:lstStyle/>
+            <a:p>
+              <a:pPr algn="ctr"/>
+              <a:endParaRPr lang="ko-KR" altLang="en-US"/>
+            </a:p>
+          </p:txBody>
+        </p:sp>
+        <p:sp>
+          <p:nvSpPr>
+            <p:cNvPr id="19" name="사각형 설명선 18"/>
+            <p:cNvSpPr/>
+            <p:nvPr/>
+          </p:nvSpPr>
+          <p:spPr>
+            <a:xfrm>
+              <a:off x="1835696" y="620688"/>
+              <a:ext cx="648072" cy="576064"/>
+            </a:xfrm>
+            <a:prstGeom prst="wedgeRectCallout">
+              <a:avLst>
+                <a:gd name="adj1" fmla="val 43059"/>
+                <a:gd name="adj2" fmla="val 83465"/>
+              </a:avLst>
+            </a:prstGeom>
+            <a:noFill/>
+          </p:spPr>
+          <p:style>
+            <a:lnRef idx="2">
+              <a:schemeClr val="accent1">
+                <a:shade val="50000"/>
+              </a:schemeClr>
+            </a:lnRef>
+            <a:fillRef idx="1">
+              <a:schemeClr val="accent1"/>
+            </a:fillRef>
+            <a:effectRef idx="0">
+              <a:schemeClr val="accent1"/>
+            </a:effectRef>
+            <a:fontRef idx="minor">
+              <a:schemeClr val="lt1"/>
+            </a:fontRef>
+          </p:style>
+          <p:txBody>
+            <a:bodyPr rtlCol="0" anchor="ctr"/>
+            <a:lstStyle/>
+            <a:p>
+              <a:pPr algn="ctr"/>
+              <a:r>
+                <a:rPr lang="en-US" altLang="ko-KR" sz="3600" b="1" dirty="0" smtClean="0">
+                  <a:solidFill>
+                    <a:schemeClr val="tx1"/>
+                  </a:solidFill>
+                </a:rPr>
+                <a:t>1</a:t>
+              </a:r>
+              <a:endParaRPr lang="ko-KR" altLang="en-US" sz="3600" b="1" dirty="0">
+                <a:solidFill>
+                  <a:schemeClr val="tx1"/>
+                </a:solidFill>
+              </a:endParaRPr>
+            </a:p>
+          </p:txBody>
+        </p:sp>
+        <p:sp>
+          <p:nvSpPr>
+            <p:cNvPr id="20" name="사각형 설명선 19"/>
+            <p:cNvSpPr/>
+            <p:nvPr/>
+          </p:nvSpPr>
+          <p:spPr>
+            <a:xfrm>
+              <a:off x="3707964" y="525938"/>
+              <a:ext cx="648072" cy="576064"/>
+            </a:xfrm>
+            <a:prstGeom prst="wedgeRectCallout">
+              <a:avLst>
+                <a:gd name="adj1" fmla="val 43059"/>
+                <a:gd name="adj2" fmla="val 83465"/>
+              </a:avLst>
+            </a:prstGeom>
+            <a:noFill/>
+          </p:spPr>
+          <p:style>
+            <a:lnRef idx="2">
+              <a:schemeClr val="accent1">
+                <a:shade val="50000"/>
+              </a:schemeClr>
+            </a:lnRef>
+            <a:fillRef idx="1">
+              <a:schemeClr val="accent1"/>
+            </a:fillRef>
+            <a:effectRef idx="0">
+              <a:schemeClr val="accent1"/>
+            </a:effectRef>
+            <a:fontRef idx="minor">
+              <a:schemeClr val="lt1"/>
+            </a:fontRef>
+          </p:style>
+          <p:txBody>
+            <a:bodyPr rtlCol="0" anchor="ctr"/>
+            <a:lstStyle/>
+            <a:p>
+              <a:pPr algn="ctr"/>
+              <a:r>
+                <a:rPr lang="en-US" altLang="ko-KR" sz="3600" b="1" dirty="0" smtClean="0">
+                  <a:solidFill>
+                    <a:schemeClr val="tx1"/>
+                  </a:solidFill>
+                </a:rPr>
+                <a:t>2</a:t>
+              </a:r>
+              <a:endParaRPr lang="ko-KR" altLang="en-US" sz="3600" b="1" dirty="0">
+                <a:solidFill>
+                  <a:schemeClr val="tx1"/>
+                </a:solidFill>
+              </a:endParaRPr>
+            </a:p>
+          </p:txBody>
+        </p:sp>
+        <p:sp>
+          <p:nvSpPr>
+            <p:cNvPr id="21" name="사각형 설명선 20"/>
+            <p:cNvSpPr/>
+            <p:nvPr/>
+          </p:nvSpPr>
+          <p:spPr>
+            <a:xfrm>
+              <a:off x="5693286" y="404664"/>
+              <a:ext cx="648072" cy="576064"/>
+            </a:xfrm>
+            <a:prstGeom prst="wedgeRectCallout">
+              <a:avLst>
+                <a:gd name="adj1" fmla="val 78998"/>
+                <a:gd name="adj2" fmla="val 65495"/>
+              </a:avLst>
+            </a:prstGeom>
+            <a:noFill/>
+          </p:spPr>
+          <p:style>
+            <a:lnRef idx="2">
+              <a:schemeClr val="accent1">
+                <a:shade val="50000"/>
+              </a:schemeClr>
+            </a:lnRef>
+            <a:fillRef idx="1">
+              <a:schemeClr val="accent1"/>
+            </a:fillRef>
+            <a:effectRef idx="0">
+              <a:schemeClr val="accent1"/>
+            </a:effectRef>
+            <a:fontRef idx="minor">
+              <a:schemeClr val="lt1"/>
+            </a:fontRef>
+          </p:style>
+          <p:txBody>
+            <a:bodyPr rtlCol="0" anchor="ctr"/>
+            <a:lstStyle/>
+            <a:p>
+              <a:pPr algn="ctr"/>
+              <a:r>
+                <a:rPr lang="en-US" altLang="ko-KR" sz="3600" b="1" dirty="0" smtClean="0">
+                  <a:solidFill>
+                    <a:schemeClr val="tx1"/>
+                  </a:solidFill>
+                </a:rPr>
+                <a:t>3</a:t>
+              </a:r>
+              <a:endParaRPr lang="ko-KR" altLang="en-US" sz="3600" b="1" dirty="0">
+                <a:solidFill>
+                  <a:schemeClr val="tx1"/>
+                </a:solidFill>
+              </a:endParaRPr>
+            </a:p>
+          </p:txBody>
+        </p:sp>
+      </p:grpSp>
+    </p:spTree>
+    <p:extLst>
+      <p:ext uri="{BB962C8B-B14F-4D97-AF65-F5344CB8AC3E}">
+        <p14:creationId xmlns:p14="http://schemas.microsoft.com/office/powerpoint/2010/main" val="2367021854"/>
+      </p:ext>
+    </p:extLst>
+  </p:cSld>
+  <p:clrMapOvr>
+    <a:masterClrMapping/>
+  </p:clrMapOvr>
+</p:sld>
+</file>
+
 <file path=ppt/theme/theme1.xml><?xml version="1.0" encoding="utf-8"?>
 <a:theme xmlns:a="http://schemas.openxmlformats.org/drawingml/2006/main" name="Office 테마">
   <a:themeElements>
